--- a/assets/doc/ICIRA2023-Poster template.pptx
+++ b/assets/doc/ICIRA2023-Poster template.pptx
@@ -214,7 +214,7 @@
           <a:p>
             <a:fld id="{596CF7B1-8584-4504-98EF-E260C76C482C}" type="datetimeFigureOut">
               <a:rPr lang="zh-CN" altLang="en-US" smtClean="0"/>
-              <a:t>2023-6-17</a:t>
+              <a:t>2023-6-21</a:t>
             </a:fld>
             <a:endParaRPr lang="zh-CN" altLang="en-US"/>
           </a:p>
@@ -628,7 +628,7 @@
           <a:p>
             <a:fld id="{760FBDFE-C587-4B4C-A407-44438C67B59E}" type="datetimeFigureOut">
               <a:rPr lang="zh-CN" altLang="en-US" smtClean="0"/>
-              <a:t>2023-6-17</a:t>
+              <a:t>2023-6-21</a:t>
             </a:fld>
             <a:endParaRPr lang="zh-CN" altLang="en-US"/>
           </a:p>
@@ -757,7 +757,7 @@
           <a:p>
             <a:fld id="{760FBDFE-C587-4B4C-A407-44438C67B59E}" type="datetimeFigureOut">
               <a:rPr lang="zh-CN" altLang="en-US" smtClean="0"/>
-              <a:t>2023-6-17</a:t>
+              <a:t>2023-6-21</a:t>
             </a:fld>
             <a:endParaRPr lang="zh-CN" altLang="en-US"/>
           </a:p>
@@ -915,7 +915,7 @@
           <a:p>
             <a:fld id="{760FBDFE-C587-4B4C-A407-44438C67B59E}" type="datetimeFigureOut">
               <a:rPr lang="zh-CN" altLang="en-US" smtClean="0"/>
-              <a:t>2023-6-17</a:t>
+              <a:t>2023-6-21</a:t>
             </a:fld>
             <a:endParaRPr lang="zh-CN" altLang="en-US"/>
           </a:p>
@@ -1186,7 +1186,7 @@
           <a:p>
             <a:fld id="{760FBDFE-C587-4B4C-A407-44438C67B59E}" type="datetimeFigureOut">
               <a:rPr lang="zh-CN" altLang="en-US" smtClean="0"/>
-              <a:t>2023-6-17</a:t>
+              <a:t>2023-6-21</a:t>
             </a:fld>
             <a:endParaRPr lang="zh-CN" altLang="en-US"/>
           </a:p>
@@ -1446,7 +1446,7 @@
           <a:p>
             <a:fld id="{760FBDFE-C587-4B4C-A407-44438C67B59E}" type="datetimeFigureOut">
               <a:rPr lang="zh-CN" altLang="en-US" smtClean="0"/>
-              <a:t>2023-6-17</a:t>
+              <a:t>2023-6-21</a:t>
             </a:fld>
             <a:endParaRPr lang="zh-CN" altLang="en-US"/>
           </a:p>
@@ -1700,7 +1700,7 @@
           <a:p>
             <a:fld id="{760FBDFE-C587-4B4C-A407-44438C67B59E}" type="datetimeFigureOut">
               <a:rPr lang="zh-CN" altLang="en-US" smtClean="0"/>
-              <a:t>2023-6-17</a:t>
+              <a:t>2023-6-21</a:t>
             </a:fld>
             <a:endParaRPr lang="zh-CN" altLang="en-US"/>
           </a:p>
@@ -2114,7 +2114,7 @@
           <a:p>
             <a:fld id="{760FBDFE-C587-4B4C-A407-44438C67B59E}" type="datetimeFigureOut">
               <a:rPr lang="zh-CN" altLang="en-US" smtClean="0"/>
-              <a:t>2023-6-17</a:t>
+              <a:t>2023-6-21</a:t>
             </a:fld>
             <a:endParaRPr lang="zh-CN" altLang="en-US"/>
           </a:p>
@@ -2246,7 +2246,7 @@
           <a:p>
             <a:fld id="{760FBDFE-C587-4B4C-A407-44438C67B59E}" type="datetimeFigureOut">
               <a:rPr lang="zh-CN" altLang="en-US" smtClean="0"/>
-              <a:t>2023-6-17</a:t>
+              <a:t>2023-6-21</a:t>
             </a:fld>
             <a:endParaRPr lang="zh-CN" altLang="en-US"/>
           </a:p>
@@ -2345,7 +2345,7 @@
           <a:p>
             <a:fld id="{760FBDFE-C587-4B4C-A407-44438C67B59E}" type="datetimeFigureOut">
               <a:rPr lang="zh-CN" altLang="en-US" smtClean="0"/>
-              <a:t>2023-6-17</a:t>
+              <a:t>2023-6-21</a:t>
             </a:fld>
             <a:endParaRPr lang="zh-CN" altLang="en-US"/>
           </a:p>
@@ -2517,7 +2517,7 @@
           <a:p>
             <a:fld id="{9EFD9D74-47D9-4702-A33C-335B63B48DBF}" type="datetimeFigureOut">
               <a:rPr lang="zh-CN" altLang="en-US" smtClean="0"/>
-              <a:t>2023-6-17</a:t>
+              <a:t>2023-6-21</a:t>
             </a:fld>
             <a:endParaRPr lang="zh-CN" altLang="en-US" dirty="0"/>
           </a:p>
@@ -2757,7 +2757,7 @@
           <a:p>
             <a:fld id="{760FBDFE-C587-4B4C-A407-44438C67B59E}" type="datetimeFigureOut">
               <a:rPr lang="zh-CN" altLang="en-US" smtClean="0"/>
-              <a:t>2023-6-17</a:t>
+              <a:t>2023-6-21</a:t>
             </a:fld>
             <a:endParaRPr lang="zh-CN" altLang="en-US"/>
           </a:p>
@@ -2993,7 +2993,7 @@
           <a:p>
             <a:fld id="{760FBDFE-C587-4B4C-A407-44438C67B59E}" type="datetimeFigureOut">
               <a:rPr lang="zh-CN" altLang="en-US" smtClean="0"/>
-              <a:t>2023-6-17</a:t>
+              <a:t>2023-6-21</a:t>
             </a:fld>
             <a:endParaRPr lang="zh-CN" altLang="en-US"/>
           </a:p>
@@ -6949,6 +6949,46 @@
           </p:txBody>
         </p:sp>
       </p:grpSp>
+      <p:sp>
+        <p:nvSpPr>
+          <p:cNvPr id="22" name="文本框 21">
+            <a:extLst>
+              <a:ext uri="{FF2B5EF4-FFF2-40B4-BE49-F238E27FC236}">
+                <a16:creationId xmlns:a16="http://schemas.microsoft.com/office/drawing/2014/main" id="{98D75F86-1D7D-48BA-86EA-2F788C6BE42E}"/>
+              </a:ext>
+            </a:extLst>
+          </p:cNvPr>
+          <p:cNvSpPr txBox="1"/>
+          <p:nvPr/>
+        </p:nvSpPr>
+        <p:spPr>
+          <a:xfrm>
+            <a:off x="11505129" y="2061290"/>
+            <a:ext cx="8654534" cy="830997"/>
+          </a:xfrm>
+          <a:prstGeom prst="rect">
+            <a:avLst/>
+          </a:prstGeom>
+          <a:noFill/>
+        </p:spPr>
+        <p:txBody>
+          <a:bodyPr wrap="square" rtlCol="0">
+            <a:spAutoFit/>
+          </a:bodyPr>
+          <a:lstStyle/>
+          <a:p>
+            <a:pPr algn="ctr"/>
+            <a:r>
+              <a:rPr lang="en-US" altLang="zh-CN" sz="4800" dirty="0">
+                <a:solidFill>
+                  <a:srgbClr val="FFFF00"/>
+                </a:solidFill>
+              </a:rPr>
+              <a:t>Paper ID: xxx</a:t>
+            </a:r>
+          </a:p>
+        </p:txBody>
+      </p:sp>
     </p:spTree>
     <p:extLst>
       <p:ext uri="{BB962C8B-B14F-4D97-AF65-F5344CB8AC3E}">

--- a/assets/doc/ICIRA2023-Poster template.pptx
+++ b/assets/doc/ICIRA2023-Poster template.pptx
@@ -214,7 +214,7 @@
           <a:p>
             <a:fld id="{596CF7B1-8584-4504-98EF-E260C76C482C}" type="datetimeFigureOut">
               <a:rPr lang="zh-CN" altLang="en-US" smtClean="0"/>
-              <a:t>2023-6-21</a:t>
+              <a:t>2023/6/26</a:t>
             </a:fld>
             <a:endParaRPr lang="zh-CN" altLang="en-US"/>
           </a:p>
@@ -628,7 +628,7 @@
           <a:p>
             <a:fld id="{760FBDFE-C587-4B4C-A407-44438C67B59E}" type="datetimeFigureOut">
               <a:rPr lang="zh-CN" altLang="en-US" smtClean="0"/>
-              <a:t>2023-6-21</a:t>
+              <a:t>2023/6/26</a:t>
             </a:fld>
             <a:endParaRPr lang="zh-CN" altLang="en-US"/>
           </a:p>
@@ -757,7 +757,7 @@
           <a:p>
             <a:fld id="{760FBDFE-C587-4B4C-A407-44438C67B59E}" type="datetimeFigureOut">
               <a:rPr lang="zh-CN" altLang="en-US" smtClean="0"/>
-              <a:t>2023-6-21</a:t>
+              <a:t>2023/6/26</a:t>
             </a:fld>
             <a:endParaRPr lang="zh-CN" altLang="en-US"/>
           </a:p>
@@ -915,7 +915,7 @@
           <a:p>
             <a:fld id="{760FBDFE-C587-4B4C-A407-44438C67B59E}" type="datetimeFigureOut">
               <a:rPr lang="zh-CN" altLang="en-US" smtClean="0"/>
-              <a:t>2023-6-21</a:t>
+              <a:t>2023/6/26</a:t>
             </a:fld>
             <a:endParaRPr lang="zh-CN" altLang="en-US"/>
           </a:p>
@@ -1186,7 +1186,7 @@
           <a:p>
             <a:fld id="{760FBDFE-C587-4B4C-A407-44438C67B59E}" type="datetimeFigureOut">
               <a:rPr lang="zh-CN" altLang="en-US" smtClean="0"/>
-              <a:t>2023-6-21</a:t>
+              <a:t>2023/6/26</a:t>
             </a:fld>
             <a:endParaRPr lang="zh-CN" altLang="en-US"/>
           </a:p>
@@ -1446,7 +1446,7 @@
           <a:p>
             <a:fld id="{760FBDFE-C587-4B4C-A407-44438C67B59E}" type="datetimeFigureOut">
               <a:rPr lang="zh-CN" altLang="en-US" smtClean="0"/>
-              <a:t>2023-6-21</a:t>
+              <a:t>2023/6/26</a:t>
             </a:fld>
             <a:endParaRPr lang="zh-CN" altLang="en-US"/>
           </a:p>
@@ -1700,7 +1700,7 @@
           <a:p>
             <a:fld id="{760FBDFE-C587-4B4C-A407-44438C67B59E}" type="datetimeFigureOut">
               <a:rPr lang="zh-CN" altLang="en-US" smtClean="0"/>
-              <a:t>2023-6-21</a:t>
+              <a:t>2023/6/26</a:t>
             </a:fld>
             <a:endParaRPr lang="zh-CN" altLang="en-US"/>
           </a:p>
@@ -2114,7 +2114,7 @@
           <a:p>
             <a:fld id="{760FBDFE-C587-4B4C-A407-44438C67B59E}" type="datetimeFigureOut">
               <a:rPr lang="zh-CN" altLang="en-US" smtClean="0"/>
-              <a:t>2023-6-21</a:t>
+              <a:t>2023/6/26</a:t>
             </a:fld>
             <a:endParaRPr lang="zh-CN" altLang="en-US"/>
           </a:p>
@@ -2246,7 +2246,7 @@
           <a:p>
             <a:fld id="{760FBDFE-C587-4B4C-A407-44438C67B59E}" type="datetimeFigureOut">
               <a:rPr lang="zh-CN" altLang="en-US" smtClean="0"/>
-              <a:t>2023-6-21</a:t>
+              <a:t>2023/6/26</a:t>
             </a:fld>
             <a:endParaRPr lang="zh-CN" altLang="en-US"/>
           </a:p>
@@ -2345,7 +2345,7 @@
           <a:p>
             <a:fld id="{760FBDFE-C587-4B4C-A407-44438C67B59E}" type="datetimeFigureOut">
               <a:rPr lang="zh-CN" altLang="en-US" smtClean="0"/>
-              <a:t>2023-6-21</a:t>
+              <a:t>2023/6/26</a:t>
             </a:fld>
             <a:endParaRPr lang="zh-CN" altLang="en-US"/>
           </a:p>
@@ -2517,7 +2517,7 @@
           <a:p>
             <a:fld id="{9EFD9D74-47D9-4702-A33C-335B63B48DBF}" type="datetimeFigureOut">
               <a:rPr lang="zh-CN" altLang="en-US" smtClean="0"/>
-              <a:t>2023-6-21</a:t>
+              <a:t>2023/6/26</a:t>
             </a:fld>
             <a:endParaRPr lang="zh-CN" altLang="en-US" dirty="0"/>
           </a:p>
@@ -2757,7 +2757,7 @@
           <a:p>
             <a:fld id="{760FBDFE-C587-4B4C-A407-44438C67B59E}" type="datetimeFigureOut">
               <a:rPr lang="zh-CN" altLang="en-US" smtClean="0"/>
-              <a:t>2023-6-21</a:t>
+              <a:t>2023/6/26</a:t>
             </a:fld>
             <a:endParaRPr lang="zh-CN" altLang="en-US"/>
           </a:p>
@@ -2993,7 +2993,7 @@
           <a:p>
             <a:fld id="{760FBDFE-C587-4B4C-A407-44438C67B59E}" type="datetimeFigureOut">
               <a:rPr lang="zh-CN" altLang="en-US" smtClean="0"/>
-              <a:t>2023-6-21</a:t>
+              <a:t>2023/6/26</a:t>
             </a:fld>
             <a:endParaRPr lang="zh-CN" altLang="en-US"/>
           </a:p>
@@ -6028,16 +6028,16 @@
               <a:defRPr/>
             </a:pPr>
             <a:r>
+              <a:rPr lang="en-US" altLang="zh-CN" sz="3200">
+                <a:cs typeface="Arial" panose="020B0604020202020204" pitchFamily="34" charset="0"/>
+              </a:rPr>
+              <a:t>Submit poster in </a:t>
+            </a:r>
+            <a:r>
               <a:rPr lang="en-US" altLang="zh-CN" sz="3200" dirty="0">
                 <a:cs typeface="Arial" panose="020B0604020202020204" pitchFamily="34" charset="0"/>
               </a:rPr>
-              <a:t>Email</a:t>
-            </a:r>
-            <a:r>
-              <a:rPr lang="en-US" altLang="en-US" sz="3200" dirty="0">
-                <a:cs typeface="Arial" panose="020B0604020202020204" pitchFamily="34" charset="0"/>
-              </a:rPr>
-              <a:t> the poster to</a:t>
+              <a:t>CMT.</a:t>
             </a:r>
             <a:r>
               <a:rPr lang="zh-CN" altLang="en-US" sz="3200" dirty="0">
@@ -6049,7 +6049,7 @@
               <a:rPr lang="en-US" altLang="zh-CN" sz="3200" dirty="0">
                 <a:cs typeface="Arial" panose="020B0604020202020204" pitchFamily="34" charset="0"/>
               </a:rPr>
-              <a:t>info@icira2023.org, and check more info</a:t>
+              <a:t>Check more info</a:t>
             </a:r>
             <a:r>
               <a:rPr lang="en-US" altLang="en-US" sz="3200" dirty="0">
